--- a/AWS/02_Amazon EC2.pptx
+++ b/AWS/02_Amazon EC2.pptx
@@ -5,7 +5,7 @@
     <p:sldMasterId id="2147483660" r:id="rId1"/>
   </p:sldMasterIdLst>
   <p:notesMasterIdLst>
-    <p:notesMasterId r:id="rId50"/>
+    <p:notesMasterId r:id="rId53"/>
   </p:notesMasterIdLst>
   <p:sldIdLst>
     <p:sldId id="256" r:id="rId2"/>
@@ -56,6 +56,9 @@
     <p:sldId id="307" r:id="rId47"/>
     <p:sldId id="308" r:id="rId48"/>
     <p:sldId id="309" r:id="rId49"/>
+    <p:sldId id="310" r:id="rId50"/>
+    <p:sldId id="311" r:id="rId51"/>
+    <p:sldId id="312" r:id="rId52"/>
   </p:sldIdLst>
   <p:sldSz cx="12192000" cy="6858000"/>
   <p:notesSz cx="6858000" cy="9144000"/>
@@ -285,7 +288,7 @@
           <a:p>
             <a:fld id="{44E376C4-AC77-4DCD-931D-4226CD807417}" type="datetimeFigureOut">
               <a:rPr lang="en-US" smtClean="0"/>
-              <a:t>9/14/2024</a:t>
+              <a:t>9/24/2024</a:t>
             </a:fld>
             <a:endParaRPr lang="en-US"/>
           </a:p>
@@ -707,7 +710,7 @@
           <a:p>
             <a:fld id="{C56B7BFA-68CA-460F-AF6E-0200F193789C}" type="datetime1">
               <a:rPr lang="en-US" smtClean="0"/>
-              <a:t>9/14/2024</a:t>
+              <a:t>9/24/2024</a:t>
             </a:fld>
             <a:endParaRPr lang="en-US"/>
           </a:p>
@@ -4290,7 +4293,7 @@
           <a:p>
             <a:fld id="{C4F9144F-3236-465B-BE37-9FF751C63749}" type="datetime1">
               <a:rPr lang="en-US" smtClean="0"/>
-              <a:t>9/14/2024</a:t>
+              <a:t>9/24/2024</a:t>
             </a:fld>
             <a:endParaRPr lang="en-US"/>
           </a:p>
@@ -4512,7 +4515,7 @@
           <a:p>
             <a:fld id="{D3B25A91-06BF-4C06-841D-146096C091B6}" type="datetime1">
               <a:rPr lang="en-US" smtClean="0"/>
-              <a:t>9/14/2024</a:t>
+              <a:t>9/24/2024</a:t>
             </a:fld>
             <a:endParaRPr lang="en-US"/>
           </a:p>
@@ -4796,7 +4799,7 @@
           <a:p>
             <a:fld id="{A7AA5DE1-725A-4804-97EA-0EBF88F93E42}" type="datetime1">
               <a:rPr lang="en-US" smtClean="0"/>
-              <a:t>9/14/2024</a:t>
+              <a:t>9/24/2024</a:t>
             </a:fld>
             <a:endParaRPr lang="en-US"/>
           </a:p>
@@ -5018,7 +5021,7 @@
           <a:p>
             <a:fld id="{1A93D935-8B4C-4F70-A2C0-5B80CB3E49AA}" type="datetime1">
               <a:rPr lang="en-US" smtClean="0"/>
-              <a:t>9/14/2024</a:t>
+              <a:t>9/24/2024</a:t>
             </a:fld>
             <a:endParaRPr lang="en-US"/>
           </a:p>
@@ -5252,7 +5255,7 @@
           <a:p>
             <a:fld id="{AEE8E933-C51B-4962-8E91-E9FD42D0DC73}" type="datetime1">
               <a:rPr lang="en-US" smtClean="0"/>
-              <a:t>9/14/2024</a:t>
+              <a:t>9/24/2024</a:t>
             </a:fld>
             <a:endParaRPr lang="en-US"/>
           </a:p>
@@ -5526,7 +5529,7 @@
           <a:p>
             <a:fld id="{78B5538F-4CA4-4CE1-AF5A-90E424C449BA}" type="datetime1">
               <a:rPr lang="en-US" smtClean="0"/>
-              <a:t>9/14/2024</a:t>
+              <a:t>9/24/2024</a:t>
             </a:fld>
             <a:endParaRPr lang="en-US"/>
           </a:p>
@@ -5935,7 +5938,7 @@
           <a:p>
             <a:fld id="{1FB2853F-9AFD-4227-BB9D-2B40D66BCD11}" type="datetime1">
               <a:rPr lang="en-US" smtClean="0"/>
-              <a:t>9/14/2024</a:t>
+              <a:t>9/24/2024</a:t>
             </a:fld>
             <a:endParaRPr lang="en-US"/>
           </a:p>
@@ -6095,7 +6098,7 @@
           <a:p>
             <a:fld id="{D547DBC6-B7E8-4080-B74D-A1C628F4CE82}" type="datetime1">
               <a:rPr lang="en-US" smtClean="0"/>
-              <a:t>9/14/2024</a:t>
+              <a:t>9/24/2024</a:t>
             </a:fld>
             <a:endParaRPr lang="en-US"/>
           </a:p>
@@ -6232,7 +6235,7 @@
           <a:p>
             <a:fld id="{09E1DB0A-09CE-41D5-A028-EB6B8ED9F505}" type="datetime1">
               <a:rPr lang="en-US" smtClean="0"/>
-              <a:t>9/14/2024</a:t>
+              <a:t>9/24/2024</a:t>
             </a:fld>
             <a:endParaRPr lang="en-US"/>
           </a:p>
@@ -6551,7 +6554,7 @@
           <a:p>
             <a:fld id="{E81FC058-4EF5-4964-A560-0AFA1686C97C}" type="datetime1">
               <a:rPr lang="en-US" smtClean="0"/>
-              <a:t>9/14/2024</a:t>
+              <a:t>9/24/2024</a:t>
             </a:fld>
             <a:endParaRPr lang="en-US"/>
           </a:p>
@@ -6850,7 +6853,7 @@
           <a:p>
             <a:fld id="{F4AA0BD2-3F7F-4DE7-B250-4D5F72055598}" type="datetime1">
               <a:rPr lang="en-US" smtClean="0"/>
-              <a:t>9/14/2024</a:t>
+              <a:t>9/24/2024</a:t>
             </a:fld>
             <a:endParaRPr lang="en-US"/>
           </a:p>
@@ -7252,7 +7255,7 @@
           <a:p>
             <a:fld id="{FB01ADF1-AFE0-4F11-8422-C11EEA4E91C9}" type="datetime1">
               <a:rPr lang="en-US" smtClean="0"/>
-              <a:t>9/14/2024</a:t>
+              <a:t>9/24/2024</a:t>
             </a:fld>
             <a:endParaRPr lang="en-US"/>
           </a:p>
@@ -15678,6 +15681,133 @@
 </p:sld>
 </file>
 
+<file path=ppt/slides/slide49.xml><?xml version="1.0" encoding="utf-8"?>
+<p:sld xmlns:a="http://schemas.openxmlformats.org/drawingml/2006/main" xmlns:r="http://schemas.openxmlformats.org/officeDocument/2006/relationships" xmlns:p="http://schemas.openxmlformats.org/presentationml/2006/main">
+  <p:cSld>
+    <p:spTree>
+      <p:nvGrpSpPr>
+        <p:cNvPr id="1" name=""/>
+        <p:cNvGrpSpPr/>
+        <p:nvPr/>
+      </p:nvGrpSpPr>
+      <p:grpSpPr>
+        <a:xfrm>
+          <a:off x="0" y="0"/>
+          <a:ext cx="0" cy="0"/>
+          <a:chOff x="0" y="0"/>
+          <a:chExt cx="0" cy="0"/>
+        </a:xfrm>
+      </p:grpSpPr>
+      <p:sp>
+        <p:nvSpPr>
+          <p:cNvPr id="2" name="Title 1">
+            <a:extLst>
+              <a:ext uri="{FF2B5EF4-FFF2-40B4-BE49-F238E27FC236}">
+                <a16:creationId xmlns:a16="http://schemas.microsoft.com/office/drawing/2014/main" id="{305108E0-C626-7E0D-9433-7F90F2568894}"/>
+              </a:ext>
+            </a:extLst>
+          </p:cNvPr>
+          <p:cNvSpPr>
+            <a:spLocks noGrp="1"/>
+          </p:cNvSpPr>
+          <p:nvPr>
+            <p:ph type="title"/>
+          </p:nvPr>
+        </p:nvSpPr>
+        <p:spPr/>
+        <p:txBody>
+          <a:bodyPr/>
+          <a:lstStyle/>
+          <a:p>
+            <a:r>
+              <a:rPr lang="en-US" dirty="0"/>
+              <a:t>Amazon EC2 key pairs</a:t>
+            </a:r>
+          </a:p>
+        </p:txBody>
+      </p:sp>
+      <p:sp>
+        <p:nvSpPr>
+          <p:cNvPr id="3" name="Content Placeholder 2">
+            <a:extLst>
+              <a:ext uri="{FF2B5EF4-FFF2-40B4-BE49-F238E27FC236}">
+                <a16:creationId xmlns:a16="http://schemas.microsoft.com/office/drawing/2014/main" id="{E09F6590-3C43-8E32-CDD9-2CFD4B3425F8}"/>
+              </a:ext>
+            </a:extLst>
+          </p:cNvPr>
+          <p:cNvSpPr>
+            <a:spLocks noGrp="1"/>
+          </p:cNvSpPr>
+          <p:nvPr>
+            <p:ph idx="1"/>
+          </p:nvPr>
+        </p:nvSpPr>
+        <p:spPr/>
+        <p:txBody>
+          <a:bodyPr/>
+          <a:lstStyle/>
+          <a:p>
+            <a:r>
+              <a:rPr lang="en-US" dirty="0"/>
+              <a:t>A key pair, consisting of a public key and a private key, is a set of security credentials that you use to prove your identity when connecting to an Amazon EC2 instance. </a:t>
+            </a:r>
+          </a:p>
+          <a:p>
+            <a:r>
+              <a:rPr lang="en-US" dirty="0"/>
+              <a:t>For Linux instances, the private key allows you to securely SSH into your instance. </a:t>
+            </a:r>
+          </a:p>
+          <a:p>
+            <a:r>
+              <a:rPr lang="en-US" dirty="0"/>
+              <a:t>For Windows instances, the private key is required to decrypt the administrator password, which you then use to connect to your instance.</a:t>
+            </a:r>
+          </a:p>
+        </p:txBody>
+      </p:sp>
+      <p:sp>
+        <p:nvSpPr>
+          <p:cNvPr id="4" name="Slide Number Placeholder 3">
+            <a:extLst>
+              <a:ext uri="{FF2B5EF4-FFF2-40B4-BE49-F238E27FC236}">
+                <a16:creationId xmlns:a16="http://schemas.microsoft.com/office/drawing/2014/main" id="{CB255198-B221-A5A1-09B3-D51DA70DFCCE}"/>
+              </a:ext>
+            </a:extLst>
+          </p:cNvPr>
+          <p:cNvSpPr>
+            <a:spLocks noGrp="1"/>
+          </p:cNvSpPr>
+          <p:nvPr>
+            <p:ph type="sldNum" sz="quarter" idx="12"/>
+          </p:nvPr>
+        </p:nvSpPr>
+        <p:spPr/>
+        <p:txBody>
+          <a:bodyPr/>
+          <a:lstStyle/>
+          <a:p>
+            <a:fld id="{616691B3-AD05-405B-A975-64D2D138A2C7}" type="slidenum">
+              <a:rPr lang="en-US" smtClean="0"/>
+              <a:t>49</a:t>
+            </a:fld>
+            <a:endParaRPr lang="en-US"/>
+          </a:p>
+        </p:txBody>
+      </p:sp>
+    </p:spTree>
+    <p:extLst>
+      <p:ext uri="{BB962C8B-B14F-4D97-AF65-F5344CB8AC3E}">
+        <p14:creationId xmlns:p14="http://schemas.microsoft.com/office/powerpoint/2010/main" val="3563673046"/>
+      </p:ext>
+    </p:extLst>
+  </p:cSld>
+  <p:clrMapOvr>
+    <a:masterClrMapping/>
+  </p:clrMapOvr>
+</p:sld>
+</file>
+
 <file path=ppt/slides/slide5.xml><?xml version="1.0" encoding="utf-8"?>
 <p:sld xmlns:a="http://schemas.openxmlformats.org/drawingml/2006/main" xmlns:r="http://schemas.openxmlformats.org/officeDocument/2006/relationships" xmlns:p="http://schemas.openxmlformats.org/presentationml/2006/main">
   <p:cSld>
@@ -15807,6 +15937,283 @@
     <p:extLst>
       <p:ext uri="{BB962C8B-B14F-4D97-AF65-F5344CB8AC3E}">
         <p14:creationId xmlns:p14="http://schemas.microsoft.com/office/powerpoint/2010/main" val="2438712982"/>
+      </p:ext>
+    </p:extLst>
+  </p:cSld>
+  <p:clrMapOvr>
+    <a:masterClrMapping/>
+  </p:clrMapOvr>
+</p:sld>
+</file>
+
+<file path=ppt/slides/slide50.xml><?xml version="1.0" encoding="utf-8"?>
+<p:sld xmlns:a="http://schemas.openxmlformats.org/drawingml/2006/main" xmlns:r="http://schemas.openxmlformats.org/officeDocument/2006/relationships" xmlns:p="http://schemas.openxmlformats.org/presentationml/2006/main">
+  <p:cSld>
+    <p:spTree>
+      <p:nvGrpSpPr>
+        <p:cNvPr id="1" name=""/>
+        <p:cNvGrpSpPr/>
+        <p:nvPr/>
+      </p:nvGrpSpPr>
+      <p:grpSpPr>
+        <a:xfrm>
+          <a:off x="0" y="0"/>
+          <a:ext cx="0" cy="0"/>
+          <a:chOff x="0" y="0"/>
+          <a:chExt cx="0" cy="0"/>
+        </a:xfrm>
+      </p:grpSpPr>
+      <p:sp>
+        <p:nvSpPr>
+          <p:cNvPr id="2" name="Title 1">
+            <a:extLst>
+              <a:ext uri="{FF2B5EF4-FFF2-40B4-BE49-F238E27FC236}">
+                <a16:creationId xmlns:a16="http://schemas.microsoft.com/office/drawing/2014/main" id="{0A475424-2248-DC86-09B8-2CAF53001C4A}"/>
+              </a:ext>
+            </a:extLst>
+          </p:cNvPr>
+          <p:cNvSpPr>
+            <a:spLocks noGrp="1"/>
+          </p:cNvSpPr>
+          <p:nvPr>
+            <p:ph type="title"/>
+          </p:nvPr>
+        </p:nvSpPr>
+        <p:spPr/>
+        <p:txBody>
+          <a:bodyPr/>
+          <a:lstStyle/>
+          <a:p>
+            <a:r>
+              <a:rPr lang="en-US" dirty="0"/>
+              <a:t>Amazon EC2 key pairs</a:t>
+            </a:r>
+          </a:p>
+        </p:txBody>
+      </p:sp>
+      <p:sp>
+        <p:nvSpPr>
+          <p:cNvPr id="3" name="Content Placeholder 2">
+            <a:extLst>
+              <a:ext uri="{FF2B5EF4-FFF2-40B4-BE49-F238E27FC236}">
+                <a16:creationId xmlns:a16="http://schemas.microsoft.com/office/drawing/2014/main" id="{B50E8CFE-0786-0D56-F2FB-3EFF6FB0DD4A}"/>
+              </a:ext>
+            </a:extLst>
+          </p:cNvPr>
+          <p:cNvSpPr>
+            <a:spLocks noGrp="1"/>
+          </p:cNvSpPr>
+          <p:nvPr>
+            <p:ph idx="1"/>
+          </p:nvPr>
+        </p:nvSpPr>
+        <p:spPr>
+          <a:xfrm>
+            <a:off x="609600" y="1719263"/>
+            <a:ext cx="10972800" cy="4411662"/>
+          </a:xfrm>
+        </p:spPr>
+        <p:txBody>
+          <a:bodyPr/>
+          <a:lstStyle/>
+          <a:p>
+            <a:r>
+              <a:rPr lang="en-US" sz="2400" dirty="0"/>
+              <a:t>Amazon EC2 stores the public key on your instance, and you store the private key, as shown in the following diagram. </a:t>
+            </a:r>
+          </a:p>
+          <a:p>
+            <a:r>
+              <a:rPr lang="en-US" sz="2400" dirty="0"/>
+              <a:t>It's important that you store your private key in a secure place because anyone who possesses your private key can connect to your instances that use the key pair.</a:t>
+            </a:r>
+          </a:p>
+        </p:txBody>
+      </p:sp>
+      <p:sp>
+        <p:nvSpPr>
+          <p:cNvPr id="4" name="Slide Number Placeholder 3">
+            <a:extLst>
+              <a:ext uri="{FF2B5EF4-FFF2-40B4-BE49-F238E27FC236}">
+                <a16:creationId xmlns:a16="http://schemas.microsoft.com/office/drawing/2014/main" id="{6B08EBFD-5951-899A-6BDC-056FF4039439}"/>
+              </a:ext>
+            </a:extLst>
+          </p:cNvPr>
+          <p:cNvSpPr>
+            <a:spLocks noGrp="1"/>
+          </p:cNvSpPr>
+          <p:nvPr>
+            <p:ph type="sldNum" sz="quarter" idx="12"/>
+          </p:nvPr>
+        </p:nvSpPr>
+        <p:spPr/>
+        <p:txBody>
+          <a:bodyPr/>
+          <a:lstStyle/>
+          <a:p>
+            <a:fld id="{616691B3-AD05-405B-A975-64D2D138A2C7}" type="slidenum">
+              <a:rPr lang="en-US" smtClean="0"/>
+              <a:t>50</a:t>
+            </a:fld>
+            <a:endParaRPr lang="en-US"/>
+          </a:p>
+        </p:txBody>
+      </p:sp>
+      <p:pic>
+        <p:nvPicPr>
+          <p:cNvPr id="5" name="Picture 4">
+            <a:extLst>
+              <a:ext uri="{FF2B5EF4-FFF2-40B4-BE49-F238E27FC236}">
+                <a16:creationId xmlns:a16="http://schemas.microsoft.com/office/drawing/2014/main" id="{13B64627-0F0F-2E8B-3F1B-9D207D8A447E}"/>
+              </a:ext>
+            </a:extLst>
+          </p:cNvPr>
+          <p:cNvPicPr>
+            <a:picLocks noChangeAspect="1"/>
+          </p:cNvPicPr>
+          <p:nvPr/>
+        </p:nvPicPr>
+        <p:blipFill>
+          <a:blip r:embed="rId2"/>
+          <a:stretch>
+            <a:fillRect/>
+          </a:stretch>
+        </p:blipFill>
+        <p:spPr>
+          <a:xfrm>
+            <a:off x="2856139" y="3705225"/>
+            <a:ext cx="6153150" cy="3152775"/>
+          </a:xfrm>
+          <a:prstGeom prst="rect">
+            <a:avLst/>
+          </a:prstGeom>
+        </p:spPr>
+      </p:pic>
+    </p:spTree>
+    <p:extLst>
+      <p:ext uri="{BB962C8B-B14F-4D97-AF65-F5344CB8AC3E}">
+        <p14:creationId xmlns:p14="http://schemas.microsoft.com/office/powerpoint/2010/main" val="2326439946"/>
+      </p:ext>
+    </p:extLst>
+  </p:cSld>
+  <p:clrMapOvr>
+    <a:masterClrMapping/>
+  </p:clrMapOvr>
+</p:sld>
+</file>
+
+<file path=ppt/slides/slide51.xml><?xml version="1.0" encoding="utf-8"?>
+<p:sld xmlns:a="http://schemas.openxmlformats.org/drawingml/2006/main" xmlns:r="http://schemas.openxmlformats.org/officeDocument/2006/relationships" xmlns:p="http://schemas.openxmlformats.org/presentationml/2006/main">
+  <p:cSld>
+    <p:spTree>
+      <p:nvGrpSpPr>
+        <p:cNvPr id="1" name=""/>
+        <p:cNvGrpSpPr/>
+        <p:nvPr/>
+      </p:nvGrpSpPr>
+      <p:grpSpPr>
+        <a:xfrm>
+          <a:off x="0" y="0"/>
+          <a:ext cx="0" cy="0"/>
+          <a:chOff x="0" y="0"/>
+          <a:chExt cx="0" cy="0"/>
+        </a:xfrm>
+      </p:grpSpPr>
+      <p:sp>
+        <p:nvSpPr>
+          <p:cNvPr id="2" name="Title 1">
+            <a:extLst>
+              <a:ext uri="{FF2B5EF4-FFF2-40B4-BE49-F238E27FC236}">
+                <a16:creationId xmlns:a16="http://schemas.microsoft.com/office/drawing/2014/main" id="{A466C3D1-245F-C76C-5910-C83535081525}"/>
+              </a:ext>
+            </a:extLst>
+          </p:cNvPr>
+          <p:cNvSpPr>
+            <a:spLocks noGrp="1"/>
+          </p:cNvSpPr>
+          <p:nvPr>
+            <p:ph type="title"/>
+          </p:nvPr>
+        </p:nvSpPr>
+        <p:spPr/>
+        <p:txBody>
+          <a:bodyPr/>
+          <a:lstStyle/>
+          <a:p>
+            <a:r>
+              <a:rPr lang="en-US" dirty="0"/>
+              <a:t>Amazon EC2 key pairs</a:t>
+            </a:r>
+          </a:p>
+        </p:txBody>
+      </p:sp>
+      <p:sp>
+        <p:nvSpPr>
+          <p:cNvPr id="3" name="Content Placeholder 2">
+            <a:extLst>
+              <a:ext uri="{FF2B5EF4-FFF2-40B4-BE49-F238E27FC236}">
+                <a16:creationId xmlns:a16="http://schemas.microsoft.com/office/drawing/2014/main" id="{AAF0B3DA-3889-BDEF-F5E0-E7754A02C32C}"/>
+              </a:ext>
+            </a:extLst>
+          </p:cNvPr>
+          <p:cNvSpPr>
+            <a:spLocks noGrp="1"/>
+          </p:cNvSpPr>
+          <p:nvPr>
+            <p:ph idx="1"/>
+          </p:nvPr>
+        </p:nvSpPr>
+        <p:spPr/>
+        <p:txBody>
+          <a:bodyPr/>
+          <a:lstStyle/>
+          <a:p>
+            <a:r>
+              <a:rPr lang="en-US" dirty="0"/>
+              <a:t>When you launch an instance, you can specify a key pair, so that you can connect to your instance using a method that requires a key pair. </a:t>
+            </a:r>
+          </a:p>
+          <a:p>
+            <a:r>
+              <a:rPr lang="en-US" dirty="0"/>
+              <a:t>Depending on how you manage your security, you can specify the same key pair for all your instances or you can specify different key pairs.</a:t>
+            </a:r>
+          </a:p>
+        </p:txBody>
+      </p:sp>
+      <p:sp>
+        <p:nvSpPr>
+          <p:cNvPr id="4" name="Slide Number Placeholder 3">
+            <a:extLst>
+              <a:ext uri="{FF2B5EF4-FFF2-40B4-BE49-F238E27FC236}">
+                <a16:creationId xmlns:a16="http://schemas.microsoft.com/office/drawing/2014/main" id="{DA910C5A-0108-B97A-BDD3-78D586444FDC}"/>
+              </a:ext>
+            </a:extLst>
+          </p:cNvPr>
+          <p:cNvSpPr>
+            <a:spLocks noGrp="1"/>
+          </p:cNvSpPr>
+          <p:nvPr>
+            <p:ph type="sldNum" sz="quarter" idx="12"/>
+          </p:nvPr>
+        </p:nvSpPr>
+        <p:spPr/>
+        <p:txBody>
+          <a:bodyPr/>
+          <a:lstStyle/>
+          <a:p>
+            <a:fld id="{616691B3-AD05-405B-A975-64D2D138A2C7}" type="slidenum">
+              <a:rPr lang="en-US" smtClean="0"/>
+              <a:t>51</a:t>
+            </a:fld>
+            <a:endParaRPr lang="en-US"/>
+          </a:p>
+        </p:txBody>
+      </p:sp>
+    </p:spTree>
+    <p:extLst>
+      <p:ext uri="{BB962C8B-B14F-4D97-AF65-F5344CB8AC3E}">
+        <p14:creationId xmlns:p14="http://schemas.microsoft.com/office/powerpoint/2010/main" val="3568374005"/>
       </p:ext>
     </p:extLst>
   </p:cSld>
